--- a/Защита НИР/Защита_НИР(Павлов).pptx
+++ b/Защита НИР/Защита_НИР(Павлов).pptx
@@ -1,15 +1,23 @@
 
 <file path=ppt/presentation.xml><?xml version="1.0" encoding="utf-8"?>
-<p:presentation xmlns:a="http://schemas.openxmlformats.org/drawingml/2006/main" xmlns:r="http://schemas.openxmlformats.org/officeDocument/2006/relationships" xmlns:p="http://schemas.openxmlformats.org/presentationml/2006/main" saveSubsetFonts="1">
+<p:presentation xmlns:a="http://schemas.openxmlformats.org/drawingml/2006/main" xmlns:r="http://schemas.openxmlformats.org/officeDocument/2006/relationships" xmlns:p="http://schemas.openxmlformats.org/presentationml/2006/main" showSpecialPlsOnTitleSld="0" saveSubsetFonts="1">
   <p:sldMasterIdLst>
     <p:sldMasterId id="2147483660" r:id="rId1"/>
   </p:sldMasterIdLst>
+  <p:notesMasterIdLst>
+    <p:notesMasterId r:id="rId12"/>
+  </p:notesMasterIdLst>
   <p:sldIdLst>
     <p:sldId id="256" r:id="rId2"/>
     <p:sldId id="257" r:id="rId3"/>
     <p:sldId id="258" r:id="rId4"/>
     <p:sldId id="259" r:id="rId5"/>
     <p:sldId id="260" r:id="rId6"/>
+    <p:sldId id="261" r:id="rId7"/>
+    <p:sldId id="262" r:id="rId8"/>
+    <p:sldId id="265" r:id="rId9"/>
+    <p:sldId id="266" r:id="rId10"/>
+    <p:sldId id="264" r:id="rId11"/>
   </p:sldIdLst>
   <p:sldSz cx="12192000" cy="6858000"/>
   <p:notesSz cx="6858000" cy="9144000"/>
@@ -108,7 +116,361 @@
       </a:defRPr>
     </a:lvl9pPr>
   </p:defaultTextStyle>
+  <p:extLst>
+    <p:ext uri="{EFAFB233-063F-42B5-8137-9DF3F51BA10A}">
+      <p15:sldGuideLst xmlns:p15="http://schemas.microsoft.com/office/powerpoint/2012/main"/>
+    </p:ext>
+  </p:extLst>
 </p:presentation>
+</file>
+
+<file path=ppt/notesMasters/notesMaster1.xml><?xml version="1.0" encoding="utf-8"?>
+<p:notesMaster xmlns:a="http://schemas.openxmlformats.org/drawingml/2006/main" xmlns:r="http://schemas.openxmlformats.org/officeDocument/2006/relationships" xmlns:p="http://schemas.openxmlformats.org/presentationml/2006/main">
+  <p:cSld>
+    <p:bg>
+      <p:bgRef idx="1001">
+        <a:schemeClr val="bg1"/>
+      </p:bgRef>
+    </p:bg>
+    <p:spTree>
+      <p:nvGrpSpPr>
+        <p:cNvPr id="1" name=""/>
+        <p:cNvGrpSpPr/>
+        <p:nvPr/>
+      </p:nvGrpSpPr>
+      <p:grpSpPr>
+        <a:xfrm>
+          <a:off x="0" y="0"/>
+          <a:ext cx="0" cy="0"/>
+          <a:chOff x="0" y="0"/>
+          <a:chExt cx="0" cy="0"/>
+        </a:xfrm>
+      </p:grpSpPr>
+      <p:sp>
+        <p:nvSpPr>
+          <p:cNvPr id="2" name="Верхний колонтитул 1"/>
+          <p:cNvSpPr>
+            <a:spLocks noGrp="1"/>
+          </p:cNvSpPr>
+          <p:nvPr>
+            <p:ph type="hdr" sz="quarter"/>
+          </p:nvPr>
+        </p:nvSpPr>
+        <p:spPr>
+          <a:xfrm>
+            <a:off x="0" y="0"/>
+            <a:ext cx="2971800" cy="458788"/>
+          </a:xfrm>
+          <a:prstGeom prst="rect">
+            <a:avLst/>
+          </a:prstGeom>
+        </p:spPr>
+        <p:txBody>
+          <a:bodyPr vert="horz" lIns="91440" tIns="45720" rIns="91440" bIns="45720" rtlCol="0"/>
+          <a:lstStyle>
+            <a:lvl1pPr algn="l">
+              <a:defRPr sz="1200"/>
+            </a:lvl1pPr>
+          </a:lstStyle>
+          <a:p>
+            <a:endParaRPr lang="ru-RU"/>
+          </a:p>
+        </p:txBody>
+      </p:sp>
+      <p:sp>
+        <p:nvSpPr>
+          <p:cNvPr id="3" name="Дата 2"/>
+          <p:cNvSpPr>
+            <a:spLocks noGrp="1"/>
+          </p:cNvSpPr>
+          <p:nvPr>
+            <p:ph type="dt" idx="1"/>
+          </p:nvPr>
+        </p:nvSpPr>
+        <p:spPr>
+          <a:xfrm>
+            <a:off x="3884613" y="0"/>
+            <a:ext cx="2971800" cy="458788"/>
+          </a:xfrm>
+          <a:prstGeom prst="rect">
+            <a:avLst/>
+          </a:prstGeom>
+        </p:spPr>
+        <p:txBody>
+          <a:bodyPr vert="horz" lIns="91440" tIns="45720" rIns="91440" bIns="45720" rtlCol="0"/>
+          <a:lstStyle>
+            <a:lvl1pPr algn="r">
+              <a:defRPr sz="1200"/>
+            </a:lvl1pPr>
+          </a:lstStyle>
+          <a:p>
+            <a:fld id="{5BD0CFC9-E0EA-4BC9-82BE-AAFE38A90BCD}" type="datetimeFigureOut">
+              <a:rPr lang="ru-RU" smtClean="0"/>
+              <a:t>27.04.2023</a:t>
+            </a:fld>
+            <a:endParaRPr lang="ru-RU"/>
+          </a:p>
+        </p:txBody>
+      </p:sp>
+      <p:sp>
+        <p:nvSpPr>
+          <p:cNvPr id="4" name="Образ слайда 3"/>
+          <p:cNvSpPr>
+            <a:spLocks noGrp="1" noRot="1" noChangeAspect="1"/>
+          </p:cNvSpPr>
+          <p:nvPr>
+            <p:ph type="sldImg" idx="2"/>
+          </p:nvPr>
+        </p:nvSpPr>
+        <p:spPr>
+          <a:xfrm>
+            <a:off x="685800" y="1143000"/>
+            <a:ext cx="5486400" cy="3086100"/>
+          </a:xfrm>
+          <a:prstGeom prst="rect">
+            <a:avLst/>
+          </a:prstGeom>
+          <a:noFill/>
+          <a:ln w="12700">
+            <a:solidFill>
+              <a:prstClr val="black"/>
+            </a:solidFill>
+          </a:ln>
+        </p:spPr>
+        <p:txBody>
+          <a:bodyPr vert="horz" lIns="91440" tIns="45720" rIns="91440" bIns="45720" rtlCol="0" anchor="ctr"/>
+          <a:lstStyle/>
+          <a:p>
+            <a:endParaRPr lang="ru-RU"/>
+          </a:p>
+        </p:txBody>
+      </p:sp>
+      <p:sp>
+        <p:nvSpPr>
+          <p:cNvPr id="5" name="Заметки 4"/>
+          <p:cNvSpPr>
+            <a:spLocks noGrp="1"/>
+          </p:cNvSpPr>
+          <p:nvPr>
+            <p:ph type="body" sz="quarter" idx="3"/>
+          </p:nvPr>
+        </p:nvSpPr>
+        <p:spPr>
+          <a:xfrm>
+            <a:off x="685800" y="4400550"/>
+            <a:ext cx="5486400" cy="3600450"/>
+          </a:xfrm>
+          <a:prstGeom prst="rect">
+            <a:avLst/>
+          </a:prstGeom>
+        </p:spPr>
+        <p:txBody>
+          <a:bodyPr vert="horz" lIns="91440" tIns="45720" rIns="91440" bIns="45720" rtlCol="0"/>
+          <a:lstStyle/>
+          <a:p>
+            <a:pPr lvl="0"/>
+            <a:r>
+              <a:rPr lang="ru-RU"/>
+              <a:t>Образец текста</a:t>
+            </a:r>
+          </a:p>
+          <a:p>
+            <a:pPr lvl="1"/>
+            <a:r>
+              <a:rPr lang="ru-RU"/>
+              <a:t>Второй уровень</a:t>
+            </a:r>
+          </a:p>
+          <a:p>
+            <a:pPr lvl="2"/>
+            <a:r>
+              <a:rPr lang="ru-RU"/>
+              <a:t>Третий уровень</a:t>
+            </a:r>
+          </a:p>
+          <a:p>
+            <a:pPr lvl="3"/>
+            <a:r>
+              <a:rPr lang="ru-RU"/>
+              <a:t>Четвертый уровень</a:t>
+            </a:r>
+          </a:p>
+          <a:p>
+            <a:pPr lvl="4"/>
+            <a:r>
+              <a:rPr lang="ru-RU"/>
+              <a:t>Пятый уровень</a:t>
+            </a:r>
+          </a:p>
+        </p:txBody>
+      </p:sp>
+      <p:sp>
+        <p:nvSpPr>
+          <p:cNvPr id="6" name="Нижний колонтитул 5"/>
+          <p:cNvSpPr>
+            <a:spLocks noGrp="1"/>
+          </p:cNvSpPr>
+          <p:nvPr>
+            <p:ph type="ftr" sz="quarter" idx="4"/>
+          </p:nvPr>
+        </p:nvSpPr>
+        <p:spPr>
+          <a:xfrm>
+            <a:off x="0" y="8685213"/>
+            <a:ext cx="2971800" cy="458787"/>
+          </a:xfrm>
+          <a:prstGeom prst="rect">
+            <a:avLst/>
+          </a:prstGeom>
+        </p:spPr>
+        <p:txBody>
+          <a:bodyPr vert="horz" lIns="91440" tIns="45720" rIns="91440" bIns="45720" rtlCol="0" anchor="b"/>
+          <a:lstStyle>
+            <a:lvl1pPr algn="l">
+              <a:defRPr sz="1200"/>
+            </a:lvl1pPr>
+          </a:lstStyle>
+          <a:p>
+            <a:endParaRPr lang="ru-RU"/>
+          </a:p>
+        </p:txBody>
+      </p:sp>
+      <p:sp>
+        <p:nvSpPr>
+          <p:cNvPr id="7" name="Номер слайда 6"/>
+          <p:cNvSpPr>
+            <a:spLocks noGrp="1"/>
+          </p:cNvSpPr>
+          <p:nvPr>
+            <p:ph type="sldNum" sz="quarter" idx="5"/>
+          </p:nvPr>
+        </p:nvSpPr>
+        <p:spPr>
+          <a:xfrm>
+            <a:off x="3884613" y="8685213"/>
+            <a:ext cx="2971800" cy="458787"/>
+          </a:xfrm>
+          <a:prstGeom prst="rect">
+            <a:avLst/>
+          </a:prstGeom>
+        </p:spPr>
+        <p:txBody>
+          <a:bodyPr vert="horz" lIns="91440" tIns="45720" rIns="91440" bIns="45720" rtlCol="0" anchor="b"/>
+          <a:lstStyle>
+            <a:lvl1pPr algn="r">
+              <a:defRPr sz="1200"/>
+            </a:lvl1pPr>
+          </a:lstStyle>
+          <a:p>
+            <a:fld id="{8AF025D7-82A4-4568-8635-946929EE96E8}" type="slidenum">
+              <a:rPr lang="ru-RU" smtClean="0"/>
+              <a:t>‹#›</a:t>
+            </a:fld>
+            <a:endParaRPr lang="ru-RU"/>
+          </a:p>
+        </p:txBody>
+      </p:sp>
+    </p:spTree>
+    <p:extLst>
+      <p:ext uri="{BB962C8B-B14F-4D97-AF65-F5344CB8AC3E}">
+        <p14:creationId xmlns:p14="http://schemas.microsoft.com/office/powerpoint/2010/main" val="3602636391"/>
+      </p:ext>
+    </p:extLst>
+  </p:cSld>
+  <p:clrMap bg1="lt1" tx1="dk1" bg2="lt2" tx2="dk2" accent1="accent1" accent2="accent2" accent3="accent3" accent4="accent4" accent5="accent5" accent6="accent6" hlink="hlink" folHlink="folHlink"/>
+  <p:notesStyle>
+    <a:lvl1pPr marL="0" algn="l" defTabSz="914400" rtl="0" eaLnBrk="1" latinLnBrk="0" hangingPunct="1">
+      <a:defRPr sz="1200" kern="1200">
+        <a:solidFill>
+          <a:schemeClr val="tx1"/>
+        </a:solidFill>
+        <a:latin typeface="+mn-lt"/>
+        <a:ea typeface="+mn-ea"/>
+        <a:cs typeface="+mn-cs"/>
+      </a:defRPr>
+    </a:lvl1pPr>
+    <a:lvl2pPr marL="457200" algn="l" defTabSz="914400" rtl="0" eaLnBrk="1" latinLnBrk="0" hangingPunct="1">
+      <a:defRPr sz="1200" kern="1200">
+        <a:solidFill>
+          <a:schemeClr val="tx1"/>
+        </a:solidFill>
+        <a:latin typeface="+mn-lt"/>
+        <a:ea typeface="+mn-ea"/>
+        <a:cs typeface="+mn-cs"/>
+      </a:defRPr>
+    </a:lvl2pPr>
+    <a:lvl3pPr marL="914400" algn="l" defTabSz="914400" rtl="0" eaLnBrk="1" latinLnBrk="0" hangingPunct="1">
+      <a:defRPr sz="1200" kern="1200">
+        <a:solidFill>
+          <a:schemeClr val="tx1"/>
+        </a:solidFill>
+        <a:latin typeface="+mn-lt"/>
+        <a:ea typeface="+mn-ea"/>
+        <a:cs typeface="+mn-cs"/>
+      </a:defRPr>
+    </a:lvl3pPr>
+    <a:lvl4pPr marL="1371600" algn="l" defTabSz="914400" rtl="0" eaLnBrk="1" latinLnBrk="0" hangingPunct="1">
+      <a:defRPr sz="1200" kern="1200">
+        <a:solidFill>
+          <a:schemeClr val="tx1"/>
+        </a:solidFill>
+        <a:latin typeface="+mn-lt"/>
+        <a:ea typeface="+mn-ea"/>
+        <a:cs typeface="+mn-cs"/>
+      </a:defRPr>
+    </a:lvl4pPr>
+    <a:lvl5pPr marL="1828800" algn="l" defTabSz="914400" rtl="0" eaLnBrk="1" latinLnBrk="0" hangingPunct="1">
+      <a:defRPr sz="1200" kern="1200">
+        <a:solidFill>
+          <a:schemeClr val="tx1"/>
+        </a:solidFill>
+        <a:latin typeface="+mn-lt"/>
+        <a:ea typeface="+mn-ea"/>
+        <a:cs typeface="+mn-cs"/>
+      </a:defRPr>
+    </a:lvl5pPr>
+    <a:lvl6pPr marL="2286000" algn="l" defTabSz="914400" rtl="0" eaLnBrk="1" latinLnBrk="0" hangingPunct="1">
+      <a:defRPr sz="1200" kern="1200">
+        <a:solidFill>
+          <a:schemeClr val="tx1"/>
+        </a:solidFill>
+        <a:latin typeface="+mn-lt"/>
+        <a:ea typeface="+mn-ea"/>
+        <a:cs typeface="+mn-cs"/>
+      </a:defRPr>
+    </a:lvl6pPr>
+    <a:lvl7pPr marL="2743200" algn="l" defTabSz="914400" rtl="0" eaLnBrk="1" latinLnBrk="0" hangingPunct="1">
+      <a:defRPr sz="1200" kern="1200">
+        <a:solidFill>
+          <a:schemeClr val="tx1"/>
+        </a:solidFill>
+        <a:latin typeface="+mn-lt"/>
+        <a:ea typeface="+mn-ea"/>
+        <a:cs typeface="+mn-cs"/>
+      </a:defRPr>
+    </a:lvl7pPr>
+    <a:lvl8pPr marL="3200400" algn="l" defTabSz="914400" rtl="0" eaLnBrk="1" latinLnBrk="0" hangingPunct="1">
+      <a:defRPr sz="1200" kern="1200">
+        <a:solidFill>
+          <a:schemeClr val="tx1"/>
+        </a:solidFill>
+        <a:latin typeface="+mn-lt"/>
+        <a:ea typeface="+mn-ea"/>
+        <a:cs typeface="+mn-cs"/>
+      </a:defRPr>
+    </a:lvl8pPr>
+    <a:lvl9pPr marL="3657600" algn="l" defTabSz="914400" rtl="0" eaLnBrk="1" latinLnBrk="0" hangingPunct="1">
+      <a:defRPr sz="1200" kern="1200">
+        <a:solidFill>
+          <a:schemeClr val="tx1"/>
+        </a:solidFill>
+        <a:latin typeface="+mn-lt"/>
+        <a:ea typeface="+mn-ea"/>
+        <a:cs typeface="+mn-cs"/>
+      </a:defRPr>
+    </a:lvl9pPr>
+  </p:notesStyle>
+</p:notesMaster>
 </file>
 
 <file path=ppt/slideLayouts/slideLayout1.xml><?xml version="1.0" encoding="utf-8"?>
@@ -326,7 +688,7 @@
             </a:lvl1pPr>
           </a:lstStyle>
           <a:p>
-            <a:fld id="{685403F5-5EF9-40E0-BBF1-318CFDA88C98}" type="datetimeFigureOut">
+            <a:fld id="{6D8A64ED-3463-45DF-BFF5-A678AD167A0E}" type="datetime1">
               <a:rPr lang="ru-RU" smtClean="0"/>
               <a:t>27.04.2023</a:t>
             </a:fld>
@@ -7094,7 +7456,7 @@
           <a:bodyPr/>
           <a:lstStyle/>
           <a:p>
-            <a:fld id="{685403F5-5EF9-40E0-BBF1-318CFDA88C98}" type="datetimeFigureOut">
+            <a:fld id="{1C88538D-9209-48DA-8D50-2CD03A56BEBC}" type="datetime1">
               <a:rPr lang="ru-RU" smtClean="0"/>
               <a:t>27.04.2023</a:t>
             </a:fld>
@@ -14098,7 +14460,7 @@
             </a:lvl1pPr>
           </a:lstStyle>
           <a:p>
-            <a:fld id="{685403F5-5EF9-40E0-BBF1-318CFDA88C98}" type="datetimeFigureOut">
+            <a:fld id="{2088CB5C-DE3B-4273-A9BB-2650808B53BF}" type="datetime1">
               <a:rPr lang="ru-RU" smtClean="0"/>
               <a:t>27.04.2023</a:t>
             </a:fld>
@@ -17553,7 +17915,7 @@
             </a:lvl1pPr>
           </a:lstStyle>
           <a:p>
-            <a:fld id="{685403F5-5EF9-40E0-BBF1-318CFDA88C98}" type="datetimeFigureOut">
+            <a:fld id="{4841386B-3DD8-4F1D-B7A2-A6A03DE37B8C}" type="datetime1">
               <a:rPr lang="ru-RU" smtClean="0"/>
               <a:t>27.04.2023</a:t>
             </a:fld>
@@ -17676,6 +18038,7 @@
     <p:sldLayoutId id="2147483690" r:id="rId30"/>
     <p:sldLayoutId id="2147483691" r:id="rId31"/>
   </p:sldLayoutIdLst>
+  <p:hf hdr="0" ftr="0" dt="0"/>
   <p:txStyles>
     <p:titleStyle>
       <a:lvl1pPr algn="l" defTabSz="914400" rtl="0" eaLnBrk="1" latinLnBrk="0" hangingPunct="1">
@@ -18242,10 +18605,385 @@
           </a:p>
         </p:txBody>
       </p:sp>
+      <p:sp>
+        <p:nvSpPr>
+          <p:cNvPr id="2" name="Заголовок 1">
+            <a:extLst>
+              <a:ext uri="{FF2B5EF4-FFF2-40B4-BE49-F238E27FC236}">
+                <a16:creationId xmlns:a16="http://schemas.microsoft.com/office/drawing/2014/main" id="{D7638F43-560B-8500-E3DA-4863AE28EE5F}"/>
+              </a:ext>
+            </a:extLst>
+          </p:cNvPr>
+          <p:cNvSpPr>
+            <a:spLocks noGrp="1"/>
+          </p:cNvSpPr>
+          <p:nvPr>
+            <p:ph type="ctrTitle"/>
+          </p:nvPr>
+        </p:nvSpPr>
+        <p:spPr>
+          <a:xfrm>
+            <a:off x="1243208" y="2370512"/>
+            <a:ext cx="9144000" cy="1860301"/>
+          </a:xfrm>
+        </p:spPr>
+        <p:txBody>
+          <a:bodyPr>
+            <a:noAutofit/>
+          </a:bodyPr>
+          <a:lstStyle/>
+          <a:p>
+            <a:r>
+              <a:rPr lang="ru-RU" sz="2800" b="1" dirty="0">
+                <a:effectLst/>
+                <a:latin typeface="Times New Roman" panose="02020603050405020304" pitchFamily="18" charset="0"/>
+                <a:ea typeface="Calibri" panose="020F0502020204030204" pitchFamily="34" charset="0"/>
+                <a:cs typeface="Times New Roman" panose="02020603050405020304" pitchFamily="18" charset="0"/>
+              </a:rPr>
+              <a:t>Прогнозирование надежности подшипника с помощью построения полиномов на основе данных о другой аварии</a:t>
+            </a:r>
+            <a:br>
+              <a:rPr lang="ru-RU" sz="2800" dirty="0">
+                <a:effectLst/>
+                <a:latin typeface="Times New Roman" panose="02020603050405020304" pitchFamily="18" charset="0"/>
+                <a:ea typeface="Calibri" panose="020F0502020204030204" pitchFamily="34" charset="0"/>
+                <a:cs typeface="Times New Roman" panose="02020603050405020304" pitchFamily="18" charset="0"/>
+              </a:rPr>
+            </a:br>
+            <a:endParaRPr lang="ru-RU" sz="2800" dirty="0"/>
+          </a:p>
+        </p:txBody>
+      </p:sp>
     </p:spTree>
     <p:extLst>
       <p:ext uri="{BB962C8B-B14F-4D97-AF65-F5344CB8AC3E}">
         <p14:creationId xmlns:p14="http://schemas.microsoft.com/office/powerpoint/2010/main" val="475080653"/>
+      </p:ext>
+    </p:extLst>
+  </p:cSld>
+  <p:clrMapOvr>
+    <a:masterClrMapping/>
+  </p:clrMapOvr>
+</p:sld>
+</file>
+
+<file path=ppt/slides/slide10.xml><?xml version="1.0" encoding="utf-8"?>
+<p:sld xmlns:a="http://schemas.openxmlformats.org/drawingml/2006/main" xmlns:r="http://schemas.openxmlformats.org/officeDocument/2006/relationships" xmlns:p="http://schemas.openxmlformats.org/presentationml/2006/main">
+  <p:cSld>
+    <p:spTree>
+      <p:nvGrpSpPr>
+        <p:cNvPr id="1" name=""/>
+        <p:cNvGrpSpPr/>
+        <p:nvPr/>
+      </p:nvGrpSpPr>
+      <p:grpSpPr>
+        <a:xfrm>
+          <a:off x="0" y="0"/>
+          <a:ext cx="0" cy="0"/>
+          <a:chOff x="0" y="0"/>
+          <a:chExt cx="0" cy="0"/>
+        </a:xfrm>
+      </p:grpSpPr>
+      <p:sp>
+        <p:nvSpPr>
+          <p:cNvPr id="4" name="Заголовок 3">
+            <a:extLst>
+              <a:ext uri="{FF2B5EF4-FFF2-40B4-BE49-F238E27FC236}">
+                <a16:creationId xmlns:a16="http://schemas.microsoft.com/office/drawing/2014/main" id="{AEB4DAE9-2235-4B31-BF2F-555463DB07F8}"/>
+              </a:ext>
+            </a:extLst>
+          </p:cNvPr>
+          <p:cNvSpPr>
+            <a:spLocks noGrp="1"/>
+          </p:cNvSpPr>
+          <p:nvPr>
+            <p:ph type="ctrTitle"/>
+          </p:nvPr>
+        </p:nvSpPr>
+        <p:spPr>
+          <a:xfrm>
+            <a:off x="1243208" y="2248250"/>
+            <a:ext cx="9144000" cy="1112482"/>
+          </a:xfrm>
+        </p:spPr>
+        <p:txBody>
+          <a:bodyPr/>
+          <a:lstStyle/>
+          <a:p>
+            <a:r>
+              <a:rPr lang="ru-RU" dirty="0"/>
+              <a:t>Спасибо за внимание</a:t>
+            </a:r>
+          </a:p>
+        </p:txBody>
+      </p:sp>
+      <p:sp>
+        <p:nvSpPr>
+          <p:cNvPr id="15" name="Подзаголовок 2">
+            <a:extLst>
+              <a:ext uri="{FF2B5EF4-FFF2-40B4-BE49-F238E27FC236}">
+                <a16:creationId xmlns:a16="http://schemas.microsoft.com/office/drawing/2014/main" id="{4A378E6E-E84B-4816-AF5C-3AEFB2F2E3A6}"/>
+              </a:ext>
+            </a:extLst>
+          </p:cNvPr>
+          <p:cNvSpPr>
+            <a:spLocks noGrp="1"/>
+          </p:cNvSpPr>
+          <p:nvPr>
+            <p:ph type="subTitle" idx="1"/>
+          </p:nvPr>
+        </p:nvSpPr>
+        <p:spPr>
+          <a:xfrm>
+            <a:off x="1243208" y="3646391"/>
+            <a:ext cx="4005067" cy="1624225"/>
+          </a:xfrm>
+        </p:spPr>
+        <p:txBody>
+          <a:bodyPr>
+            <a:normAutofit/>
+          </a:bodyPr>
+          <a:lstStyle/>
+          <a:p>
+            <a:r>
+              <a:rPr lang="ru-RU" sz="1900" dirty="0"/>
+              <a:t>Автор доклада:</a:t>
+            </a:r>
+          </a:p>
+          <a:p>
+            <a:r>
+              <a:rPr lang="ru-RU" sz="1900" dirty="0"/>
+              <a:t>Студент группы ПМИ-1, 1 курса магистратуры ММФ</a:t>
+            </a:r>
+          </a:p>
+          <a:p>
+            <a:r>
+              <a:rPr lang="ru-RU" sz="1900" dirty="0"/>
+              <a:t>Павлов Борис Андреевич</a:t>
+            </a:r>
+          </a:p>
+        </p:txBody>
+      </p:sp>
+      <p:sp>
+        <p:nvSpPr>
+          <p:cNvPr id="16" name="Подзаголовок 2">
+            <a:extLst>
+              <a:ext uri="{FF2B5EF4-FFF2-40B4-BE49-F238E27FC236}">
+                <a16:creationId xmlns:a16="http://schemas.microsoft.com/office/drawing/2014/main" id="{916B2AAA-8D3E-4CC7-8683-B18DE5222DD9}"/>
+              </a:ext>
+            </a:extLst>
+          </p:cNvPr>
+          <p:cNvSpPr txBox="1">
+            <a:spLocks/>
+          </p:cNvSpPr>
+          <p:nvPr/>
+        </p:nvSpPr>
+        <p:spPr>
+          <a:xfrm>
+            <a:off x="5815208" y="3638942"/>
+            <a:ext cx="4005067" cy="1624225"/>
+          </a:xfrm>
+          <a:prstGeom prst="rect">
+            <a:avLst/>
+          </a:prstGeom>
+        </p:spPr>
+        <p:txBody>
+          <a:bodyPr vert="horz" lIns="91440" tIns="45720" rIns="91440" bIns="45720" rtlCol="0">
+            <a:noAutofit/>
+          </a:bodyPr>
+          <a:lstStyle>
+            <a:lvl1pPr marL="0" indent="0" algn="l" defTabSz="914400" rtl="0" eaLnBrk="1" latinLnBrk="0" hangingPunct="1">
+              <a:lnSpc>
+                <a:spcPct val="100000"/>
+              </a:lnSpc>
+              <a:spcBef>
+                <a:spcPts val="1000"/>
+              </a:spcBef>
+              <a:buFont typeface="Arial" panose="020B0604020202020204" pitchFamily="34" charset="0"/>
+              <a:buNone/>
+              <a:defRPr sz="2400" kern="1200">
+                <a:solidFill>
+                  <a:schemeClr val="bg1">
+                    <a:lumMod val="75000"/>
+                  </a:schemeClr>
+                </a:solidFill>
+                <a:latin typeface="PermianSansTypeface" panose="02000000000000000000" pitchFamily="50" charset="0"/>
+                <a:ea typeface="+mn-ea"/>
+                <a:cs typeface="+mn-cs"/>
+              </a:defRPr>
+            </a:lvl1pPr>
+            <a:lvl2pPr marL="457200" indent="0" algn="ctr" defTabSz="914400" rtl="0" eaLnBrk="1" latinLnBrk="0" hangingPunct="1">
+              <a:lnSpc>
+                <a:spcPct val="100000"/>
+              </a:lnSpc>
+              <a:spcBef>
+                <a:spcPts val="500"/>
+              </a:spcBef>
+              <a:buFont typeface="Arial" panose="020B0604020202020204" pitchFamily="34" charset="0"/>
+              <a:buNone/>
+              <a:defRPr sz="2000" kern="1200">
+                <a:solidFill>
+                  <a:schemeClr val="tx1"/>
+                </a:solidFill>
+                <a:latin typeface="+mn-lt"/>
+                <a:ea typeface="+mn-ea"/>
+                <a:cs typeface="+mn-cs"/>
+              </a:defRPr>
+            </a:lvl2pPr>
+            <a:lvl3pPr marL="914400" indent="0" algn="ctr" defTabSz="914400" rtl="0" eaLnBrk="1" latinLnBrk="0" hangingPunct="1">
+              <a:lnSpc>
+                <a:spcPct val="100000"/>
+              </a:lnSpc>
+              <a:spcBef>
+                <a:spcPts val="500"/>
+              </a:spcBef>
+              <a:buFont typeface="Arial" panose="020B0604020202020204" pitchFamily="34" charset="0"/>
+              <a:buNone/>
+              <a:defRPr sz="1800" kern="1200">
+                <a:solidFill>
+                  <a:schemeClr val="tx1"/>
+                </a:solidFill>
+                <a:latin typeface="+mn-lt"/>
+                <a:ea typeface="+mn-ea"/>
+                <a:cs typeface="+mn-cs"/>
+              </a:defRPr>
+            </a:lvl3pPr>
+            <a:lvl4pPr marL="1371600" indent="0" algn="ctr" defTabSz="914400" rtl="0" eaLnBrk="1" latinLnBrk="0" hangingPunct="1">
+              <a:lnSpc>
+                <a:spcPct val="100000"/>
+              </a:lnSpc>
+              <a:spcBef>
+                <a:spcPts val="500"/>
+              </a:spcBef>
+              <a:buFont typeface="Arial" panose="020B0604020202020204" pitchFamily="34" charset="0"/>
+              <a:buNone/>
+              <a:defRPr sz="1600" kern="1200">
+                <a:solidFill>
+                  <a:schemeClr val="tx1"/>
+                </a:solidFill>
+                <a:latin typeface="+mn-lt"/>
+                <a:ea typeface="+mn-ea"/>
+                <a:cs typeface="+mn-cs"/>
+              </a:defRPr>
+            </a:lvl4pPr>
+            <a:lvl5pPr marL="1828800" indent="0" algn="ctr" defTabSz="914400" rtl="0" eaLnBrk="1" latinLnBrk="0" hangingPunct="1">
+              <a:lnSpc>
+                <a:spcPct val="100000"/>
+              </a:lnSpc>
+              <a:spcBef>
+                <a:spcPts val="500"/>
+              </a:spcBef>
+              <a:buFont typeface="Arial" panose="020B0604020202020204" pitchFamily="34" charset="0"/>
+              <a:buNone/>
+              <a:defRPr sz="1600" kern="1200">
+                <a:solidFill>
+                  <a:schemeClr val="tx1"/>
+                </a:solidFill>
+                <a:latin typeface="+mn-lt"/>
+                <a:ea typeface="+mn-ea"/>
+                <a:cs typeface="+mn-cs"/>
+              </a:defRPr>
+            </a:lvl5pPr>
+            <a:lvl6pPr marL="2286000" indent="0" algn="ctr" defTabSz="914400" rtl="0" eaLnBrk="1" latinLnBrk="0" hangingPunct="1">
+              <a:lnSpc>
+                <a:spcPct val="90000"/>
+              </a:lnSpc>
+              <a:spcBef>
+                <a:spcPts val="500"/>
+              </a:spcBef>
+              <a:buFont typeface="Arial" panose="020B0604020202020204" pitchFamily="34" charset="0"/>
+              <a:buNone/>
+              <a:defRPr sz="1600" kern="1200">
+                <a:solidFill>
+                  <a:schemeClr val="tx1"/>
+                </a:solidFill>
+                <a:latin typeface="+mn-lt"/>
+                <a:ea typeface="+mn-ea"/>
+                <a:cs typeface="+mn-cs"/>
+              </a:defRPr>
+            </a:lvl6pPr>
+            <a:lvl7pPr marL="2743200" indent="0" algn="ctr" defTabSz="914400" rtl="0" eaLnBrk="1" latinLnBrk="0" hangingPunct="1">
+              <a:lnSpc>
+                <a:spcPct val="90000"/>
+              </a:lnSpc>
+              <a:spcBef>
+                <a:spcPts val="500"/>
+              </a:spcBef>
+              <a:buFont typeface="Arial" panose="020B0604020202020204" pitchFamily="34" charset="0"/>
+              <a:buNone/>
+              <a:defRPr sz="1600" kern="1200">
+                <a:solidFill>
+                  <a:schemeClr val="tx1"/>
+                </a:solidFill>
+                <a:latin typeface="+mn-lt"/>
+                <a:ea typeface="+mn-ea"/>
+                <a:cs typeface="+mn-cs"/>
+              </a:defRPr>
+            </a:lvl7pPr>
+            <a:lvl8pPr marL="3200400" indent="0" algn="ctr" defTabSz="914400" rtl="0" eaLnBrk="1" latinLnBrk="0" hangingPunct="1">
+              <a:lnSpc>
+                <a:spcPct val="90000"/>
+              </a:lnSpc>
+              <a:spcBef>
+                <a:spcPts val="500"/>
+              </a:spcBef>
+              <a:buFont typeface="Arial" panose="020B0604020202020204" pitchFamily="34" charset="0"/>
+              <a:buNone/>
+              <a:defRPr sz="1600" kern="1200">
+                <a:solidFill>
+                  <a:schemeClr val="tx1"/>
+                </a:solidFill>
+                <a:latin typeface="+mn-lt"/>
+                <a:ea typeface="+mn-ea"/>
+                <a:cs typeface="+mn-cs"/>
+              </a:defRPr>
+            </a:lvl8pPr>
+            <a:lvl9pPr marL="3657600" indent="0" algn="ctr" defTabSz="914400" rtl="0" eaLnBrk="1" latinLnBrk="0" hangingPunct="1">
+              <a:lnSpc>
+                <a:spcPct val="90000"/>
+              </a:lnSpc>
+              <a:spcBef>
+                <a:spcPts val="500"/>
+              </a:spcBef>
+              <a:buFont typeface="Arial" panose="020B0604020202020204" pitchFamily="34" charset="0"/>
+              <a:buNone/>
+              <a:defRPr sz="1600" kern="1200">
+                <a:solidFill>
+                  <a:schemeClr val="tx1"/>
+                </a:solidFill>
+                <a:latin typeface="+mn-lt"/>
+                <a:ea typeface="+mn-ea"/>
+                <a:cs typeface="+mn-cs"/>
+              </a:defRPr>
+            </a:lvl9pPr>
+          </a:lstStyle>
+          <a:p>
+            <a:r>
+              <a:rPr lang="ru-RU" sz="1900" dirty="0"/>
+              <a:t>Научный руководитель:</a:t>
+            </a:r>
+          </a:p>
+          <a:p>
+            <a:r>
+              <a:rPr lang="ru-RU" sz="1900" dirty="0"/>
+              <a:t>Профессор кафедры прикладной математики и информатики, доктор тех. наук, кандидат ф.-м. наук</a:t>
+            </a:r>
+          </a:p>
+          <a:p>
+            <a:r>
+              <a:rPr lang="ru-RU" sz="1900" dirty="0"/>
+              <a:t>Гусев Андрей Леонидович</a:t>
+            </a:r>
+          </a:p>
+          <a:p>
+            <a:endParaRPr lang="ru-RU" sz="1900" dirty="0"/>
+          </a:p>
+        </p:txBody>
+      </p:sp>
+    </p:spTree>
+    <p:extLst>
+      <p:ext uri="{BB962C8B-B14F-4D97-AF65-F5344CB8AC3E}">
+        <p14:creationId xmlns:p14="http://schemas.microsoft.com/office/powerpoint/2010/main" val="57329169"/>
       </p:ext>
     </p:extLst>
   </p:cSld>
@@ -18376,6 +19114,44 @@
           </a:prstGeom>
         </p:spPr>
       </p:pic>
+      <p:sp>
+        <p:nvSpPr>
+          <p:cNvPr id="4" name="Номер слайда 3">
+            <a:extLst>
+              <a:ext uri="{FF2B5EF4-FFF2-40B4-BE49-F238E27FC236}">
+                <a16:creationId xmlns:a16="http://schemas.microsoft.com/office/drawing/2014/main" id="{1D8DA090-CB1A-0A88-6FB8-A4E6B75B5AFA}"/>
+              </a:ext>
+            </a:extLst>
+          </p:cNvPr>
+          <p:cNvSpPr>
+            <a:spLocks noGrp="1"/>
+          </p:cNvSpPr>
+          <p:nvPr>
+            <p:ph type="sldNum" sz="quarter" idx="12"/>
+          </p:nvPr>
+        </p:nvSpPr>
+        <p:spPr>
+          <a:xfrm>
+            <a:off x="11353800" y="6232669"/>
+            <a:ext cx="684320" cy="398950"/>
+          </a:xfrm>
+        </p:spPr>
+        <p:txBody>
+          <a:bodyPr/>
+          <a:lstStyle/>
+          <a:p>
+            <a:fld id="{4E48E709-E570-4ACB-9A67-C3FD92927D4C}" type="slidenum">
+              <a:rPr lang="ru-RU" sz="2000" smtClean="0"/>
+              <a:t>2</a:t>
+            </a:fld>
+            <a:r>
+              <a:rPr lang="en-US" sz="2000" dirty="0"/>
+              <a:t>/10</a:t>
+            </a:r>
+            <a:endParaRPr lang="ru-RU" sz="2000" dirty="0"/>
+          </a:p>
+        </p:txBody>
+      </p:sp>
     </p:spTree>
     <p:extLst>
       <p:ext uri="{BB962C8B-B14F-4D97-AF65-F5344CB8AC3E}">
@@ -18491,6 +19267,44 @@
           </a:p>
         </p:txBody>
       </p:sp>
+      <p:sp>
+        <p:nvSpPr>
+          <p:cNvPr id="5" name="Номер слайда 3">
+            <a:extLst>
+              <a:ext uri="{FF2B5EF4-FFF2-40B4-BE49-F238E27FC236}">
+                <a16:creationId xmlns:a16="http://schemas.microsoft.com/office/drawing/2014/main" id="{B18F8093-539E-ADD2-6C7B-76203590D4FC}"/>
+              </a:ext>
+            </a:extLst>
+          </p:cNvPr>
+          <p:cNvSpPr>
+            <a:spLocks noGrp="1"/>
+          </p:cNvSpPr>
+          <p:nvPr>
+            <p:ph type="sldNum" sz="quarter" idx="12"/>
+          </p:nvPr>
+        </p:nvSpPr>
+        <p:spPr>
+          <a:xfrm>
+            <a:off x="11353800" y="6232669"/>
+            <a:ext cx="684320" cy="398950"/>
+          </a:xfrm>
+        </p:spPr>
+        <p:txBody>
+          <a:bodyPr/>
+          <a:lstStyle/>
+          <a:p>
+            <a:fld id="{4E48E709-E570-4ACB-9A67-C3FD92927D4C}" type="slidenum">
+              <a:rPr lang="ru-RU" sz="2000" smtClean="0"/>
+              <a:t>3</a:t>
+            </a:fld>
+            <a:r>
+              <a:rPr lang="en-US" sz="2000" dirty="0"/>
+              <a:t>/10</a:t>
+            </a:r>
+            <a:endParaRPr lang="ru-RU" sz="2000" dirty="0"/>
+          </a:p>
+        </p:txBody>
+      </p:sp>
     </p:spTree>
     <p:extLst>
       <p:ext uri="{BB962C8B-B14F-4D97-AF65-F5344CB8AC3E}">
@@ -18587,6 +19401,44 @@
           </a:prstGeom>
         </p:spPr>
       </p:pic>
+      <p:sp>
+        <p:nvSpPr>
+          <p:cNvPr id="4" name="Номер слайда 3">
+            <a:extLst>
+              <a:ext uri="{FF2B5EF4-FFF2-40B4-BE49-F238E27FC236}">
+                <a16:creationId xmlns:a16="http://schemas.microsoft.com/office/drawing/2014/main" id="{2A2BFABE-C128-1574-DFCB-E2F3FF25310C}"/>
+              </a:ext>
+            </a:extLst>
+          </p:cNvPr>
+          <p:cNvSpPr>
+            <a:spLocks noGrp="1"/>
+          </p:cNvSpPr>
+          <p:nvPr>
+            <p:ph type="sldNum" sz="quarter" idx="12"/>
+          </p:nvPr>
+        </p:nvSpPr>
+        <p:spPr>
+          <a:xfrm>
+            <a:off x="11353800" y="6232669"/>
+            <a:ext cx="684320" cy="398950"/>
+          </a:xfrm>
+        </p:spPr>
+        <p:txBody>
+          <a:bodyPr/>
+          <a:lstStyle/>
+          <a:p>
+            <a:fld id="{4E48E709-E570-4ACB-9A67-C3FD92927D4C}" type="slidenum">
+              <a:rPr lang="ru-RU" sz="2000" smtClean="0"/>
+              <a:t>4</a:t>
+            </a:fld>
+            <a:r>
+              <a:rPr lang="en-US" sz="2000" dirty="0"/>
+              <a:t>/10</a:t>
+            </a:r>
+            <a:endParaRPr lang="ru-RU" sz="2000" dirty="0"/>
+          </a:p>
+        </p:txBody>
+      </p:sp>
     </p:spTree>
     <p:extLst>
       <p:ext uri="{BB962C8B-B14F-4D97-AF65-F5344CB8AC3E}">
@@ -18635,10 +19487,547 @@
         </p:nvSpPr>
         <p:spPr/>
         <p:txBody>
+          <a:bodyPr>
+            <a:normAutofit fontScale="90000"/>
+          </a:bodyPr>
+          <a:lstStyle/>
+          <a:p>
+            <a:r>
+              <a:rPr lang="ru-RU" dirty="0"/>
+              <a:t>Нахождение значений надежности для второй аварии</a:t>
+            </a:r>
+          </a:p>
+        </p:txBody>
+      </p:sp>
+      <p:pic>
+        <p:nvPicPr>
+          <p:cNvPr id="5" name="Рисунок 4">
+            <a:extLst>
+              <a:ext uri="{FF2B5EF4-FFF2-40B4-BE49-F238E27FC236}">
+                <a16:creationId xmlns:a16="http://schemas.microsoft.com/office/drawing/2014/main" id="{CBB57A1A-96F1-319C-3887-DBF02152F4E8}"/>
+              </a:ext>
+            </a:extLst>
+          </p:cNvPr>
+          <p:cNvPicPr>
+            <a:picLocks noChangeAspect="1"/>
+          </p:cNvPicPr>
+          <p:nvPr/>
+        </p:nvPicPr>
+        <p:blipFill>
+          <a:blip r:embed="rId2">
+            <a:extLst>
+              <a:ext uri="{28A0092B-C50C-407E-A947-70E740481C1C}">
+                <a14:useLocalDpi xmlns:a14="http://schemas.microsoft.com/office/drawing/2010/main" val="0"/>
+              </a:ext>
+            </a:extLst>
+          </a:blip>
+          <a:stretch>
+            <a:fillRect/>
+          </a:stretch>
+        </p:blipFill>
+        <p:spPr>
+          <a:xfrm>
+            <a:off x="1813915" y="1844026"/>
+            <a:ext cx="8564170" cy="4648849"/>
+          </a:xfrm>
+          <a:prstGeom prst="rect">
+            <a:avLst/>
+          </a:prstGeom>
+        </p:spPr>
+      </p:pic>
+      <p:sp>
+        <p:nvSpPr>
+          <p:cNvPr id="7" name="Номер слайда 3">
+            <a:extLst>
+              <a:ext uri="{FF2B5EF4-FFF2-40B4-BE49-F238E27FC236}">
+                <a16:creationId xmlns:a16="http://schemas.microsoft.com/office/drawing/2014/main" id="{EBCE5179-B101-8DB6-3E86-73C41C390B4F}"/>
+              </a:ext>
+            </a:extLst>
+          </p:cNvPr>
+          <p:cNvSpPr>
+            <a:spLocks noGrp="1"/>
+          </p:cNvSpPr>
+          <p:nvPr>
+            <p:ph type="sldNum" sz="quarter" idx="12"/>
+          </p:nvPr>
+        </p:nvSpPr>
+        <p:spPr>
+          <a:xfrm>
+            <a:off x="11353800" y="6232669"/>
+            <a:ext cx="684320" cy="398950"/>
+          </a:xfrm>
+        </p:spPr>
+        <p:txBody>
           <a:bodyPr/>
           <a:lstStyle/>
           <a:p>
-            <a:endParaRPr lang="ru-RU"/>
+            <a:fld id="{4E48E709-E570-4ACB-9A67-C3FD92927D4C}" type="slidenum">
+              <a:rPr lang="ru-RU" sz="2000" smtClean="0"/>
+              <a:t>5</a:t>
+            </a:fld>
+            <a:r>
+              <a:rPr lang="en-US" sz="2000" dirty="0"/>
+              <a:t>/10</a:t>
+            </a:r>
+            <a:endParaRPr lang="ru-RU" sz="2000" dirty="0"/>
+          </a:p>
+        </p:txBody>
+      </p:sp>
+    </p:spTree>
+    <p:extLst>
+      <p:ext uri="{BB962C8B-B14F-4D97-AF65-F5344CB8AC3E}">
+        <p14:creationId xmlns:p14="http://schemas.microsoft.com/office/powerpoint/2010/main" val="2756161398"/>
+      </p:ext>
+    </p:extLst>
+  </p:cSld>
+  <p:clrMapOvr>
+    <a:masterClrMapping/>
+  </p:clrMapOvr>
+</p:sld>
+</file>
+
+<file path=ppt/slides/slide6.xml><?xml version="1.0" encoding="utf-8"?>
+<p:sld xmlns:a="http://schemas.openxmlformats.org/drawingml/2006/main" xmlns:r="http://schemas.openxmlformats.org/officeDocument/2006/relationships" xmlns:p="http://schemas.openxmlformats.org/presentationml/2006/main">
+  <p:cSld>
+    <p:spTree>
+      <p:nvGrpSpPr>
+        <p:cNvPr id="1" name=""/>
+        <p:cNvGrpSpPr/>
+        <p:nvPr/>
+      </p:nvGrpSpPr>
+      <p:grpSpPr>
+        <a:xfrm>
+          <a:off x="0" y="0"/>
+          <a:ext cx="0" cy="0"/>
+          <a:chOff x="0" y="0"/>
+          <a:chExt cx="0" cy="0"/>
+        </a:xfrm>
+      </p:grpSpPr>
+      <p:sp>
+        <p:nvSpPr>
+          <p:cNvPr id="2" name="Заголовок 1">
+            <a:extLst>
+              <a:ext uri="{FF2B5EF4-FFF2-40B4-BE49-F238E27FC236}">
+                <a16:creationId xmlns:a16="http://schemas.microsoft.com/office/drawing/2014/main" id="{D4576145-5358-EACA-4C6F-ADBF9BDA3FE7}"/>
+              </a:ext>
+            </a:extLst>
+          </p:cNvPr>
+          <p:cNvSpPr>
+            <a:spLocks noGrp="1"/>
+          </p:cNvSpPr>
+          <p:nvPr>
+            <p:ph type="title"/>
+          </p:nvPr>
+        </p:nvSpPr>
+        <p:spPr/>
+        <p:txBody>
+          <a:bodyPr/>
+          <a:lstStyle/>
+          <a:p>
+            <a:r>
+              <a:rPr lang="ru-RU" dirty="0"/>
+              <a:t>Нахождение отсечки во второй аварии</a:t>
+            </a:r>
+          </a:p>
+        </p:txBody>
+      </p:sp>
+      <p:pic>
+        <p:nvPicPr>
+          <p:cNvPr id="5" name="Рисунок 4">
+            <a:extLst>
+              <a:ext uri="{FF2B5EF4-FFF2-40B4-BE49-F238E27FC236}">
+                <a16:creationId xmlns:a16="http://schemas.microsoft.com/office/drawing/2014/main" id="{85C7D6DC-3040-2063-E82B-A3D58CC3EED4}"/>
+              </a:ext>
+            </a:extLst>
+          </p:cNvPr>
+          <p:cNvPicPr>
+            <a:picLocks noChangeAspect="1"/>
+          </p:cNvPicPr>
+          <p:nvPr/>
+        </p:nvPicPr>
+        <p:blipFill>
+          <a:blip r:embed="rId2">
+            <a:extLst>
+              <a:ext uri="{28A0092B-C50C-407E-A947-70E740481C1C}">
+                <a14:useLocalDpi xmlns:a14="http://schemas.microsoft.com/office/drawing/2010/main" val="0"/>
+              </a:ext>
+            </a:extLst>
+          </a:blip>
+          <a:stretch>
+            <a:fillRect/>
+          </a:stretch>
+        </p:blipFill>
+        <p:spPr>
+          <a:xfrm>
+            <a:off x="1809152" y="1844026"/>
+            <a:ext cx="8573696" cy="4648849"/>
+          </a:xfrm>
+          <a:prstGeom prst="rect">
+            <a:avLst/>
+          </a:prstGeom>
+        </p:spPr>
+      </p:pic>
+      <p:sp>
+        <p:nvSpPr>
+          <p:cNvPr id="7" name="Номер слайда 3">
+            <a:extLst>
+              <a:ext uri="{FF2B5EF4-FFF2-40B4-BE49-F238E27FC236}">
+                <a16:creationId xmlns:a16="http://schemas.microsoft.com/office/drawing/2014/main" id="{E745F32A-E918-25C6-17E8-58257D626B85}"/>
+              </a:ext>
+            </a:extLst>
+          </p:cNvPr>
+          <p:cNvSpPr>
+            <a:spLocks noGrp="1"/>
+          </p:cNvSpPr>
+          <p:nvPr>
+            <p:ph type="sldNum" sz="quarter" idx="12"/>
+          </p:nvPr>
+        </p:nvSpPr>
+        <p:spPr>
+          <a:xfrm>
+            <a:off x="11353800" y="6232669"/>
+            <a:ext cx="684320" cy="398950"/>
+          </a:xfrm>
+        </p:spPr>
+        <p:txBody>
+          <a:bodyPr/>
+          <a:lstStyle/>
+          <a:p>
+            <a:fld id="{4E48E709-E570-4ACB-9A67-C3FD92927D4C}" type="slidenum">
+              <a:rPr lang="ru-RU" sz="2000" smtClean="0"/>
+              <a:t>6</a:t>
+            </a:fld>
+            <a:r>
+              <a:rPr lang="en-US" sz="2000" dirty="0"/>
+              <a:t>/10</a:t>
+            </a:r>
+            <a:endParaRPr lang="ru-RU" sz="2000" dirty="0"/>
+          </a:p>
+        </p:txBody>
+      </p:sp>
+    </p:spTree>
+    <p:extLst>
+      <p:ext uri="{BB962C8B-B14F-4D97-AF65-F5344CB8AC3E}">
+        <p14:creationId xmlns:p14="http://schemas.microsoft.com/office/powerpoint/2010/main" val="1796274807"/>
+      </p:ext>
+    </p:extLst>
+  </p:cSld>
+  <p:clrMapOvr>
+    <a:masterClrMapping/>
+  </p:clrMapOvr>
+</p:sld>
+</file>
+
+<file path=ppt/slides/slide7.xml><?xml version="1.0" encoding="utf-8"?>
+<p:sld xmlns:a="http://schemas.openxmlformats.org/drawingml/2006/main" xmlns:r="http://schemas.openxmlformats.org/officeDocument/2006/relationships" xmlns:p="http://schemas.openxmlformats.org/presentationml/2006/main">
+  <p:cSld>
+    <p:spTree>
+      <p:nvGrpSpPr>
+        <p:cNvPr id="1" name=""/>
+        <p:cNvGrpSpPr/>
+        <p:nvPr/>
+      </p:nvGrpSpPr>
+      <p:grpSpPr>
+        <a:xfrm>
+          <a:off x="0" y="0"/>
+          <a:ext cx="0" cy="0"/>
+          <a:chOff x="0" y="0"/>
+          <a:chExt cx="0" cy="0"/>
+        </a:xfrm>
+      </p:grpSpPr>
+      <p:sp>
+        <p:nvSpPr>
+          <p:cNvPr id="2" name="Заголовок 1">
+            <a:extLst>
+              <a:ext uri="{FF2B5EF4-FFF2-40B4-BE49-F238E27FC236}">
+                <a16:creationId xmlns:a16="http://schemas.microsoft.com/office/drawing/2014/main" id="{1C763998-4628-394A-3855-EA028908413D}"/>
+              </a:ext>
+            </a:extLst>
+          </p:cNvPr>
+          <p:cNvSpPr>
+            <a:spLocks noGrp="1"/>
+          </p:cNvSpPr>
+          <p:nvPr>
+            <p:ph type="title"/>
+          </p:nvPr>
+        </p:nvSpPr>
+        <p:spPr/>
+        <p:txBody>
+          <a:bodyPr>
+            <a:normAutofit fontScale="90000"/>
+          </a:bodyPr>
+          <a:lstStyle/>
+          <a:p>
+            <a:r>
+              <a:rPr lang="ru-RU" dirty="0"/>
+              <a:t>Нахождение полинома для выражения значений второй аварии через эталонную</a:t>
+            </a:r>
+          </a:p>
+        </p:txBody>
+      </p:sp>
+      <p:pic>
+        <p:nvPicPr>
+          <p:cNvPr id="5" name="Рисунок 4">
+            <a:extLst>
+              <a:ext uri="{FF2B5EF4-FFF2-40B4-BE49-F238E27FC236}">
+                <a16:creationId xmlns:a16="http://schemas.microsoft.com/office/drawing/2014/main" id="{AC859BAF-DCEA-43FF-709A-A526C8944481}"/>
+              </a:ext>
+            </a:extLst>
+          </p:cNvPr>
+          <p:cNvPicPr>
+            <a:picLocks noChangeAspect="1"/>
+          </p:cNvPicPr>
+          <p:nvPr/>
+        </p:nvPicPr>
+        <p:blipFill>
+          <a:blip r:embed="rId2">
+            <a:extLst>
+              <a:ext uri="{28A0092B-C50C-407E-A947-70E740481C1C}">
+                <a14:useLocalDpi xmlns:a14="http://schemas.microsoft.com/office/drawing/2010/main" val="0"/>
+              </a:ext>
+            </a:extLst>
+          </a:blip>
+          <a:stretch>
+            <a:fillRect/>
+          </a:stretch>
+        </p:blipFill>
+        <p:spPr>
+          <a:xfrm>
+            <a:off x="1809152" y="1863079"/>
+            <a:ext cx="8573696" cy="4629796"/>
+          </a:xfrm>
+          <a:prstGeom prst="rect">
+            <a:avLst/>
+          </a:prstGeom>
+        </p:spPr>
+      </p:pic>
+      <p:sp>
+        <p:nvSpPr>
+          <p:cNvPr id="7" name="Номер слайда 3">
+            <a:extLst>
+              <a:ext uri="{FF2B5EF4-FFF2-40B4-BE49-F238E27FC236}">
+                <a16:creationId xmlns:a16="http://schemas.microsoft.com/office/drawing/2014/main" id="{78CB3AAD-76F6-2E64-6287-757E5589D927}"/>
+              </a:ext>
+            </a:extLst>
+          </p:cNvPr>
+          <p:cNvSpPr>
+            <a:spLocks noGrp="1"/>
+          </p:cNvSpPr>
+          <p:nvPr>
+            <p:ph type="sldNum" sz="quarter" idx="12"/>
+          </p:nvPr>
+        </p:nvSpPr>
+        <p:spPr>
+          <a:xfrm>
+            <a:off x="11353800" y="6232669"/>
+            <a:ext cx="684320" cy="398950"/>
+          </a:xfrm>
+        </p:spPr>
+        <p:txBody>
+          <a:bodyPr/>
+          <a:lstStyle/>
+          <a:p>
+            <a:fld id="{4E48E709-E570-4ACB-9A67-C3FD92927D4C}" type="slidenum">
+              <a:rPr lang="ru-RU" sz="2000" smtClean="0"/>
+              <a:t>7</a:t>
+            </a:fld>
+            <a:r>
+              <a:rPr lang="en-US" sz="2000" dirty="0"/>
+              <a:t>/10</a:t>
+            </a:r>
+            <a:endParaRPr lang="ru-RU" sz="2000" dirty="0"/>
+          </a:p>
+        </p:txBody>
+      </p:sp>
+    </p:spTree>
+    <p:extLst>
+      <p:ext uri="{BB962C8B-B14F-4D97-AF65-F5344CB8AC3E}">
+        <p14:creationId xmlns:p14="http://schemas.microsoft.com/office/powerpoint/2010/main" val="2674254134"/>
+      </p:ext>
+    </p:extLst>
+  </p:cSld>
+  <p:clrMapOvr>
+    <a:masterClrMapping/>
+  </p:clrMapOvr>
+</p:sld>
+</file>
+
+<file path=ppt/slides/slide8.xml><?xml version="1.0" encoding="utf-8"?>
+<p:sld xmlns:a="http://schemas.openxmlformats.org/drawingml/2006/main" xmlns:r="http://schemas.openxmlformats.org/officeDocument/2006/relationships" xmlns:p="http://schemas.openxmlformats.org/presentationml/2006/main">
+  <p:cSld>
+    <p:spTree>
+      <p:nvGrpSpPr>
+        <p:cNvPr id="1" name=""/>
+        <p:cNvGrpSpPr/>
+        <p:nvPr/>
+      </p:nvGrpSpPr>
+      <p:grpSpPr>
+        <a:xfrm>
+          <a:off x="0" y="0"/>
+          <a:ext cx="0" cy="0"/>
+          <a:chOff x="0" y="0"/>
+          <a:chExt cx="0" cy="0"/>
+        </a:xfrm>
+      </p:grpSpPr>
+      <p:sp>
+        <p:nvSpPr>
+          <p:cNvPr id="2" name="Заголовок 1">
+            <a:extLst>
+              <a:ext uri="{FF2B5EF4-FFF2-40B4-BE49-F238E27FC236}">
+                <a16:creationId xmlns:a16="http://schemas.microsoft.com/office/drawing/2014/main" id="{395AFC74-50E8-3456-1584-1D67B91798F4}"/>
+              </a:ext>
+            </a:extLst>
+          </p:cNvPr>
+          <p:cNvSpPr>
+            <a:spLocks noGrp="1"/>
+          </p:cNvSpPr>
+          <p:nvPr>
+            <p:ph type="title"/>
+          </p:nvPr>
+        </p:nvSpPr>
+        <p:spPr/>
+        <p:txBody>
+          <a:bodyPr>
+            <a:normAutofit/>
+          </a:bodyPr>
+          <a:lstStyle/>
+          <a:p>
+            <a:r>
+              <a:rPr lang="ru-RU" sz="3600" dirty="0"/>
+              <a:t>Сравнение коэффициентов надежности у реальных и предсказанных значений вибросигнала</a:t>
+            </a:r>
+          </a:p>
+        </p:txBody>
+      </p:sp>
+      <p:pic>
+        <p:nvPicPr>
+          <p:cNvPr id="5" name="Рисунок 4">
+            <a:extLst>
+              <a:ext uri="{FF2B5EF4-FFF2-40B4-BE49-F238E27FC236}">
+                <a16:creationId xmlns:a16="http://schemas.microsoft.com/office/drawing/2014/main" id="{78A98552-9B65-4DED-7F8C-58029C06726E}"/>
+              </a:ext>
+            </a:extLst>
+          </p:cNvPr>
+          <p:cNvPicPr>
+            <a:picLocks noChangeAspect="1"/>
+          </p:cNvPicPr>
+          <p:nvPr/>
+        </p:nvPicPr>
+        <p:blipFill>
+          <a:blip r:embed="rId2">
+            <a:extLst>
+              <a:ext uri="{28A0092B-C50C-407E-A947-70E740481C1C}">
+                <a14:useLocalDpi xmlns:a14="http://schemas.microsoft.com/office/drawing/2010/main" val="0"/>
+              </a:ext>
+            </a:extLst>
+          </a:blip>
+          <a:stretch>
+            <a:fillRect/>
+          </a:stretch>
+        </p:blipFill>
+        <p:spPr>
+          <a:xfrm>
+            <a:off x="1813915" y="1844026"/>
+            <a:ext cx="8564170" cy="4648849"/>
+          </a:xfrm>
+          <a:prstGeom prst="rect">
+            <a:avLst/>
+          </a:prstGeom>
+        </p:spPr>
+      </p:pic>
+      <p:sp>
+        <p:nvSpPr>
+          <p:cNvPr id="7" name="Номер слайда 3">
+            <a:extLst>
+              <a:ext uri="{FF2B5EF4-FFF2-40B4-BE49-F238E27FC236}">
+                <a16:creationId xmlns:a16="http://schemas.microsoft.com/office/drawing/2014/main" id="{7698D7D9-B1D7-A644-0097-4DD090262F13}"/>
+              </a:ext>
+            </a:extLst>
+          </p:cNvPr>
+          <p:cNvSpPr>
+            <a:spLocks noGrp="1"/>
+          </p:cNvSpPr>
+          <p:nvPr>
+            <p:ph type="sldNum" sz="quarter" idx="12"/>
+          </p:nvPr>
+        </p:nvSpPr>
+        <p:spPr>
+          <a:xfrm>
+            <a:off x="11353800" y="6232669"/>
+            <a:ext cx="684320" cy="398950"/>
+          </a:xfrm>
+        </p:spPr>
+        <p:txBody>
+          <a:bodyPr/>
+          <a:lstStyle/>
+          <a:p>
+            <a:fld id="{4E48E709-E570-4ACB-9A67-C3FD92927D4C}" type="slidenum">
+              <a:rPr lang="ru-RU" sz="2000" smtClean="0"/>
+              <a:t>8</a:t>
+            </a:fld>
+            <a:r>
+              <a:rPr lang="en-US" sz="2000" dirty="0"/>
+              <a:t>/10</a:t>
+            </a:r>
+            <a:endParaRPr lang="ru-RU" sz="2000" dirty="0"/>
+          </a:p>
+        </p:txBody>
+      </p:sp>
+    </p:spTree>
+    <p:extLst>
+      <p:ext uri="{BB962C8B-B14F-4D97-AF65-F5344CB8AC3E}">
+        <p14:creationId xmlns:p14="http://schemas.microsoft.com/office/powerpoint/2010/main" val="140451421"/>
+      </p:ext>
+    </p:extLst>
+  </p:cSld>
+  <p:clrMapOvr>
+    <a:masterClrMapping/>
+  </p:clrMapOvr>
+</p:sld>
+</file>
+
+<file path=ppt/slides/slide9.xml><?xml version="1.0" encoding="utf-8"?>
+<p:sld xmlns:a="http://schemas.openxmlformats.org/drawingml/2006/main" xmlns:r="http://schemas.openxmlformats.org/officeDocument/2006/relationships" xmlns:p="http://schemas.openxmlformats.org/presentationml/2006/main">
+  <p:cSld>
+    <p:spTree>
+      <p:nvGrpSpPr>
+        <p:cNvPr id="1" name=""/>
+        <p:cNvGrpSpPr/>
+        <p:nvPr/>
+      </p:nvGrpSpPr>
+      <p:grpSpPr>
+        <a:xfrm>
+          <a:off x="0" y="0"/>
+          <a:ext cx="0" cy="0"/>
+          <a:chOff x="0" y="0"/>
+          <a:chExt cx="0" cy="0"/>
+        </a:xfrm>
+      </p:grpSpPr>
+      <p:sp>
+        <p:nvSpPr>
+          <p:cNvPr id="2" name="Заголовок 1">
+            <a:extLst>
+              <a:ext uri="{FF2B5EF4-FFF2-40B4-BE49-F238E27FC236}">
+                <a16:creationId xmlns:a16="http://schemas.microsoft.com/office/drawing/2014/main" id="{9275EC3A-8204-0AC5-10F3-30E6F5F356AD}"/>
+              </a:ext>
+            </a:extLst>
+          </p:cNvPr>
+          <p:cNvSpPr>
+            <a:spLocks noGrp="1"/>
+          </p:cNvSpPr>
+          <p:nvPr>
+            <p:ph type="title"/>
+          </p:nvPr>
+        </p:nvSpPr>
+        <p:spPr/>
+        <p:txBody>
+          <a:bodyPr/>
+          <a:lstStyle/>
+          <a:p>
+            <a:r>
+              <a:rPr lang="ru-RU" dirty="0"/>
+              <a:t>Результаты</a:t>
+            </a:r>
           </a:p>
         </p:txBody>
       </p:sp>
@@ -18647,7 +20036,7 @@
           <p:cNvPr id="3" name="Текст 2">
             <a:extLst>
               <a:ext uri="{FF2B5EF4-FFF2-40B4-BE49-F238E27FC236}">
-                <a16:creationId xmlns:a16="http://schemas.microsoft.com/office/drawing/2014/main" id="{6D09B650-DBE3-B899-6719-1113A780B2FF}"/>
+                <a16:creationId xmlns:a16="http://schemas.microsoft.com/office/drawing/2014/main" id="{4CF69F7A-E78D-0FE0-3904-C7593D4AD139}"/>
               </a:ext>
             </a:extLst>
           </p:cNvPr>
@@ -18663,14 +20052,81 @@
           <a:bodyPr/>
           <a:lstStyle/>
           <a:p>
-            <a:endParaRPr lang="ru-RU"/>
+            <a:r>
+              <a:rPr lang="ru-RU" dirty="0"/>
+              <a:t>Было реализовано настольное приложение на языке программирование </a:t>
+            </a:r>
+            <a:r>
+              <a:rPr lang="en-US" dirty="0"/>
+              <a:t>C#</a:t>
+            </a:r>
+            <a:r>
+              <a:rPr lang="ru-RU" dirty="0"/>
+              <a:t> с использованием технологии </a:t>
+            </a:r>
+            <a:r>
+              <a:rPr lang="en-US" dirty="0"/>
+              <a:t>Windows </a:t>
+            </a:r>
+            <a:r>
+              <a:rPr lang="en-US" dirty="0" err="1"/>
+              <a:t>Froms</a:t>
+            </a:r>
+            <a:r>
+              <a:rPr lang="ru-RU" dirty="0"/>
+              <a:t>, которое позволяет за счет построения полиномов предсказывать коэффициент надежности на основе данных о другой аварии.</a:t>
+            </a:r>
+          </a:p>
+          <a:p>
+            <a:r>
+              <a:rPr lang="ru-RU" dirty="0"/>
+              <a:t>Наилучшей степенью полинома является 11 степень.</a:t>
+            </a:r>
+          </a:p>
+        </p:txBody>
+      </p:sp>
+      <p:sp>
+        <p:nvSpPr>
+          <p:cNvPr id="5" name="Номер слайда 3">
+            <a:extLst>
+              <a:ext uri="{FF2B5EF4-FFF2-40B4-BE49-F238E27FC236}">
+                <a16:creationId xmlns:a16="http://schemas.microsoft.com/office/drawing/2014/main" id="{DB2AA4A9-2321-9E63-FE4D-81748E3B0468}"/>
+              </a:ext>
+            </a:extLst>
+          </p:cNvPr>
+          <p:cNvSpPr>
+            <a:spLocks noGrp="1"/>
+          </p:cNvSpPr>
+          <p:nvPr>
+            <p:ph type="sldNum" sz="quarter" idx="12"/>
+          </p:nvPr>
+        </p:nvSpPr>
+        <p:spPr>
+          <a:xfrm>
+            <a:off x="11353800" y="6232669"/>
+            <a:ext cx="684320" cy="398950"/>
+          </a:xfrm>
+        </p:spPr>
+        <p:txBody>
+          <a:bodyPr/>
+          <a:lstStyle/>
+          <a:p>
+            <a:fld id="{4E48E709-E570-4ACB-9A67-C3FD92927D4C}" type="slidenum">
+              <a:rPr lang="ru-RU" sz="2000" smtClean="0"/>
+              <a:t>9</a:t>
+            </a:fld>
+            <a:r>
+              <a:rPr lang="en-US" sz="2000" dirty="0"/>
+              <a:t>/10</a:t>
+            </a:r>
+            <a:endParaRPr lang="ru-RU" sz="2000" dirty="0"/>
           </a:p>
         </p:txBody>
       </p:sp>
     </p:spTree>
     <p:extLst>
       <p:ext uri="{BB962C8B-B14F-4D97-AF65-F5344CB8AC3E}">
-        <p14:creationId xmlns:p14="http://schemas.microsoft.com/office/powerpoint/2010/main" val="2756161398"/>
+        <p14:creationId xmlns:p14="http://schemas.microsoft.com/office/powerpoint/2010/main" val="3367462486"/>
       </p:ext>
     </p:extLst>
   </p:cSld>
@@ -18879,4 +20335,299 @@
     </a:ext>
   </a:extLst>
 </a:theme>
+</file>
+
+<file path=ppt/theme/theme2.xml><?xml version="1.0" encoding="utf-8"?>
+<a:theme xmlns:a="http://schemas.openxmlformats.org/drawingml/2006/main" name="Тема Office">
+  <a:themeElements>
+    <a:clrScheme name="Стандартная">
+      <a:dk1>
+        <a:sysClr val="windowText" lastClr="000000"/>
+      </a:dk1>
+      <a:lt1>
+        <a:sysClr val="window" lastClr="FFFFFF"/>
+      </a:lt1>
+      <a:dk2>
+        <a:srgbClr val="44546A"/>
+      </a:dk2>
+      <a:lt2>
+        <a:srgbClr val="E7E6E6"/>
+      </a:lt2>
+      <a:accent1>
+        <a:srgbClr val="4472C4"/>
+      </a:accent1>
+      <a:accent2>
+        <a:srgbClr val="ED7D31"/>
+      </a:accent2>
+      <a:accent3>
+        <a:srgbClr val="A5A5A5"/>
+      </a:accent3>
+      <a:accent4>
+        <a:srgbClr val="FFC000"/>
+      </a:accent4>
+      <a:accent5>
+        <a:srgbClr val="5B9BD5"/>
+      </a:accent5>
+      <a:accent6>
+        <a:srgbClr val="70AD47"/>
+      </a:accent6>
+      <a:hlink>
+        <a:srgbClr val="0563C1"/>
+      </a:hlink>
+      <a:folHlink>
+        <a:srgbClr val="954F72"/>
+      </a:folHlink>
+    </a:clrScheme>
+    <a:fontScheme name="Стандартная">
+      <a:majorFont>
+        <a:latin typeface="Calibri Light" panose="020F0302020204030204"/>
+        <a:ea typeface=""/>
+        <a:cs typeface=""/>
+        <a:font script="Jpan" typeface="游ゴシック Light"/>
+        <a:font script="Hang" typeface="맑은 고딕"/>
+        <a:font script="Hans" typeface="等线 Light"/>
+        <a:font script="Hant" typeface="新細明體"/>
+        <a:font script="Arab" typeface="Times New Roman"/>
+        <a:font script="Hebr" typeface="Times New Roman"/>
+        <a:font script="Thai" typeface="Angsana New"/>
+        <a:font script="Ethi" typeface="Nyala"/>
+        <a:font script="Beng" typeface="Vrinda"/>
+        <a:font script="Gujr" typeface="Shruti"/>
+        <a:font script="Khmr" typeface="MoolBoran"/>
+        <a:font script="Knda" typeface="Tunga"/>
+        <a:font script="Guru" typeface="Raavi"/>
+        <a:font script="Cans" typeface="Euphemia"/>
+        <a:font script="Cher" typeface="Plantagenet Cherokee"/>
+        <a:font script="Yiii" typeface="Microsoft Yi Baiti"/>
+        <a:font script="Tibt" typeface="Microsoft Himalaya"/>
+        <a:font script="Thaa" typeface="MV Boli"/>
+        <a:font script="Deva" typeface="Mangal"/>
+        <a:font script="Telu" typeface="Gautami"/>
+        <a:font script="Taml" typeface="Latha"/>
+        <a:font script="Syrc" typeface="Estrangelo Edessa"/>
+        <a:font script="Orya" typeface="Kalinga"/>
+        <a:font script="Mlym" typeface="Kartika"/>
+        <a:font script="Laoo" typeface="DokChampa"/>
+        <a:font script="Sinh" typeface="Iskoola Pota"/>
+        <a:font script="Mong" typeface="Mongolian Baiti"/>
+        <a:font script="Viet" typeface="Times New Roman"/>
+        <a:font script="Uigh" typeface="Microsoft Uighur"/>
+        <a:font script="Geor" typeface="Sylfaen"/>
+        <a:font script="Armn" typeface="Arial"/>
+        <a:font script="Bugi" typeface="Leelawadee UI"/>
+        <a:font script="Bopo" typeface="Microsoft JhengHei"/>
+        <a:font script="Java" typeface="Javanese Text"/>
+        <a:font script="Lisu" typeface="Segoe UI"/>
+        <a:font script="Mymr" typeface="Myanmar Text"/>
+        <a:font script="Nkoo" typeface="Ebrima"/>
+        <a:font script="Olck" typeface="Nirmala UI"/>
+        <a:font script="Osma" typeface="Ebrima"/>
+        <a:font script="Phag" typeface="Phagspa"/>
+        <a:font script="Syrn" typeface="Estrangelo Edessa"/>
+        <a:font script="Syrj" typeface="Estrangelo Edessa"/>
+        <a:font script="Syre" typeface="Estrangelo Edessa"/>
+        <a:font script="Sora" typeface="Nirmala UI"/>
+        <a:font script="Tale" typeface="Microsoft Tai Le"/>
+        <a:font script="Talu" typeface="Microsoft New Tai Lue"/>
+        <a:font script="Tfng" typeface="Ebrima"/>
+      </a:majorFont>
+      <a:minorFont>
+        <a:latin typeface="Calibri" panose="020F0502020204030204"/>
+        <a:ea typeface=""/>
+        <a:cs typeface=""/>
+        <a:font script="Jpan" typeface="游ゴシック"/>
+        <a:font script="Hang" typeface="맑은 고딕"/>
+        <a:font script="Hans" typeface="等线"/>
+        <a:font script="Hant" typeface="新細明體"/>
+        <a:font script="Arab" typeface="Arial"/>
+        <a:font script="Hebr" typeface="Arial"/>
+        <a:font script="Thai" typeface="Cordia New"/>
+        <a:font script="Ethi" typeface="Nyala"/>
+        <a:font script="Beng" typeface="Vrinda"/>
+        <a:font script="Gujr" typeface="Shruti"/>
+        <a:font script="Khmr" typeface="DaunPenh"/>
+        <a:font script="Knda" typeface="Tunga"/>
+        <a:font script="Guru" typeface="Raavi"/>
+        <a:font script="Cans" typeface="Euphemia"/>
+        <a:font script="Cher" typeface="Plantagenet Cherokee"/>
+        <a:font script="Yiii" typeface="Microsoft Yi Baiti"/>
+        <a:font script="Tibt" typeface="Microsoft Himalaya"/>
+        <a:font script="Thaa" typeface="MV Boli"/>
+        <a:font script="Deva" typeface="Mangal"/>
+        <a:font script="Telu" typeface="Gautami"/>
+        <a:font script="Taml" typeface="Latha"/>
+        <a:font script="Syrc" typeface="Estrangelo Edessa"/>
+        <a:font script="Orya" typeface="Kalinga"/>
+        <a:font script="Mlym" typeface="Kartika"/>
+        <a:font script="Laoo" typeface="DokChampa"/>
+        <a:font script="Sinh" typeface="Iskoola Pota"/>
+        <a:font script="Mong" typeface="Mongolian Baiti"/>
+        <a:font script="Viet" typeface="Arial"/>
+        <a:font script="Uigh" typeface="Microsoft Uighur"/>
+        <a:font script="Geor" typeface="Sylfaen"/>
+        <a:font script="Armn" typeface="Arial"/>
+        <a:font script="Bugi" typeface="Leelawadee UI"/>
+        <a:font script="Bopo" typeface="Microsoft JhengHei"/>
+        <a:font script="Java" typeface="Javanese Text"/>
+        <a:font script="Lisu" typeface="Segoe UI"/>
+        <a:font script="Mymr" typeface="Myanmar Text"/>
+        <a:font script="Nkoo" typeface="Ebrima"/>
+        <a:font script="Olck" typeface="Nirmala UI"/>
+        <a:font script="Osma" typeface="Ebrima"/>
+        <a:font script="Phag" typeface="Phagspa"/>
+        <a:font script="Syrn" typeface="Estrangelo Edessa"/>
+        <a:font script="Syrj" typeface="Estrangelo Edessa"/>
+        <a:font script="Syre" typeface="Estrangelo Edessa"/>
+        <a:font script="Sora" typeface="Nirmala UI"/>
+        <a:font script="Tale" typeface="Microsoft Tai Le"/>
+        <a:font script="Talu" typeface="Microsoft New Tai Lue"/>
+        <a:font script="Tfng" typeface="Ebrima"/>
+      </a:minorFont>
+    </a:fontScheme>
+    <a:fmtScheme name="Стандартная">
+      <a:fillStyleLst>
+        <a:solidFill>
+          <a:schemeClr val="phClr"/>
+        </a:solidFill>
+        <a:gradFill rotWithShape="1">
+          <a:gsLst>
+            <a:gs pos="0">
+              <a:schemeClr val="phClr">
+                <a:lumMod val="110000"/>
+                <a:satMod val="105000"/>
+                <a:tint val="67000"/>
+              </a:schemeClr>
+            </a:gs>
+            <a:gs pos="50000">
+              <a:schemeClr val="phClr">
+                <a:lumMod val="105000"/>
+                <a:satMod val="103000"/>
+                <a:tint val="73000"/>
+              </a:schemeClr>
+            </a:gs>
+            <a:gs pos="100000">
+              <a:schemeClr val="phClr">
+                <a:lumMod val="105000"/>
+                <a:satMod val="109000"/>
+                <a:tint val="81000"/>
+              </a:schemeClr>
+            </a:gs>
+          </a:gsLst>
+          <a:lin ang="5400000" scaled="0"/>
+        </a:gradFill>
+        <a:gradFill rotWithShape="1">
+          <a:gsLst>
+            <a:gs pos="0">
+              <a:schemeClr val="phClr">
+                <a:satMod val="103000"/>
+                <a:lumMod val="102000"/>
+                <a:tint val="94000"/>
+              </a:schemeClr>
+            </a:gs>
+            <a:gs pos="50000">
+              <a:schemeClr val="phClr">
+                <a:satMod val="110000"/>
+                <a:lumMod val="100000"/>
+                <a:shade val="100000"/>
+              </a:schemeClr>
+            </a:gs>
+            <a:gs pos="100000">
+              <a:schemeClr val="phClr">
+                <a:lumMod val="99000"/>
+                <a:satMod val="120000"/>
+                <a:shade val="78000"/>
+              </a:schemeClr>
+            </a:gs>
+          </a:gsLst>
+          <a:lin ang="5400000" scaled="0"/>
+        </a:gradFill>
+      </a:fillStyleLst>
+      <a:lnStyleLst>
+        <a:ln w="6350" cap="flat" cmpd="sng" algn="ctr">
+          <a:solidFill>
+            <a:schemeClr val="phClr"/>
+          </a:solidFill>
+          <a:prstDash val="solid"/>
+          <a:miter lim="800000"/>
+        </a:ln>
+        <a:ln w="12700" cap="flat" cmpd="sng" algn="ctr">
+          <a:solidFill>
+            <a:schemeClr val="phClr"/>
+          </a:solidFill>
+          <a:prstDash val="solid"/>
+          <a:miter lim="800000"/>
+        </a:ln>
+        <a:ln w="19050" cap="flat" cmpd="sng" algn="ctr">
+          <a:solidFill>
+            <a:schemeClr val="phClr"/>
+          </a:solidFill>
+          <a:prstDash val="solid"/>
+          <a:miter lim="800000"/>
+        </a:ln>
+      </a:lnStyleLst>
+      <a:effectStyleLst>
+        <a:effectStyle>
+          <a:effectLst/>
+        </a:effectStyle>
+        <a:effectStyle>
+          <a:effectLst/>
+        </a:effectStyle>
+        <a:effectStyle>
+          <a:effectLst>
+            <a:outerShdw blurRad="57150" dist="19050" dir="5400000" algn="ctr" rotWithShape="0">
+              <a:srgbClr val="000000">
+                <a:alpha val="63000"/>
+              </a:srgbClr>
+            </a:outerShdw>
+          </a:effectLst>
+        </a:effectStyle>
+      </a:effectStyleLst>
+      <a:bgFillStyleLst>
+        <a:solidFill>
+          <a:schemeClr val="phClr"/>
+        </a:solidFill>
+        <a:solidFill>
+          <a:schemeClr val="phClr">
+            <a:tint val="95000"/>
+            <a:satMod val="170000"/>
+          </a:schemeClr>
+        </a:solidFill>
+        <a:gradFill rotWithShape="1">
+          <a:gsLst>
+            <a:gs pos="0">
+              <a:schemeClr val="phClr">
+                <a:tint val="93000"/>
+                <a:satMod val="150000"/>
+                <a:shade val="98000"/>
+                <a:lumMod val="102000"/>
+              </a:schemeClr>
+            </a:gs>
+            <a:gs pos="50000">
+              <a:schemeClr val="phClr">
+                <a:tint val="98000"/>
+                <a:satMod val="130000"/>
+                <a:shade val="90000"/>
+                <a:lumMod val="103000"/>
+              </a:schemeClr>
+            </a:gs>
+            <a:gs pos="100000">
+              <a:schemeClr val="phClr">
+                <a:shade val="63000"/>
+                <a:satMod val="120000"/>
+              </a:schemeClr>
+            </a:gs>
+          </a:gsLst>
+          <a:lin ang="5400000" scaled="0"/>
+        </a:gradFill>
+      </a:bgFillStyleLst>
+    </a:fmtScheme>
+  </a:themeElements>
+  <a:objectDefaults/>
+  <a:extraClrSchemeLst/>
+  <a:extLst>
+    <a:ext uri="{05A4C25C-085E-4340-85A3-A5531E510DB2}">
+      <thm15:themeFamily xmlns:thm15="http://schemas.microsoft.com/office/thememl/2012/main" name="Office Theme" id="{62F939B6-93AF-4DB8-9C6B-D6C7DFDC589F}" vid="{4A3C46E8-61CC-4603-A589-7422A47A8E4A}"/>
+    </a:ext>
+  </a:extLst>
+</a:theme>
 </file>